--- a/Presentación DS II Matias Barcina.pptx
+++ b/Presentación DS II Matias Barcina.pptx
@@ -5,7 +5,7 @@
     <p:sldMasterId id="2147483673" r:id="rId1"/>
   </p:sldMasterIdLst>
   <p:notesMasterIdLst>
-    <p:notesMasterId r:id="rId16"/>
+    <p:notesMasterId r:id="rId18"/>
   </p:notesMasterIdLst>
   <p:sldIdLst>
     <p:sldId id="256" r:id="rId2"/>
@@ -22,44 +22,46 @@
     <p:sldId id="264" r:id="rId13"/>
     <p:sldId id="300" r:id="rId14"/>
     <p:sldId id="301" r:id="rId15"/>
+    <p:sldId id="302" r:id="rId16"/>
+    <p:sldId id="303" r:id="rId17"/>
   </p:sldIdLst>
   <p:sldSz cx="9144000" cy="5143500" type="screen16x9"/>
   <p:notesSz cx="6858000" cy="9144000"/>
   <p:embeddedFontLst>
     <p:embeddedFont>
-      <p:font typeface="Arial Unicode MS" panose="020B0604020202020204" pitchFamily="34" charset="-128"/>
-      <p:regular r:id="rId17"/>
+      <p:font typeface="Arial Unicode MS" panose="020B0604020202020204" charset="-128"/>
+      <p:regular r:id="rId19"/>
     </p:embeddedFont>
     <p:embeddedFont>
       <p:font typeface="Monda" panose="020B0604020202020204" charset="0"/>
-      <p:regular r:id="rId18"/>
-      <p:bold r:id="rId19"/>
+      <p:regular r:id="rId20"/>
+      <p:bold r:id="rId21"/>
     </p:embeddedFont>
     <p:embeddedFont>
       <p:font typeface="Nunito Light" pitchFamily="2" charset="0"/>
-      <p:regular r:id="rId20"/>
-      <p:italic r:id="rId21"/>
+      <p:regular r:id="rId22"/>
+      <p:italic r:id="rId23"/>
     </p:embeddedFont>
     <p:embeddedFont>
       <p:font typeface="Open Sans" panose="020B0606030504020204" pitchFamily="34" charset="0"/>
-      <p:regular r:id="rId22"/>
-      <p:bold r:id="rId23"/>
-      <p:italic r:id="rId24"/>
-      <p:boldItalic r:id="rId25"/>
+      <p:regular r:id="rId24"/>
+      <p:bold r:id="rId25"/>
+      <p:italic r:id="rId26"/>
+      <p:boldItalic r:id="rId27"/>
     </p:embeddedFont>
     <p:embeddedFont>
       <p:font typeface="Open Sans Medium" panose="020B0604020202020204" charset="0"/>
-      <p:regular r:id="rId26"/>
-      <p:bold r:id="rId27"/>
-      <p:italic r:id="rId28"/>
-      <p:boldItalic r:id="rId29"/>
+      <p:regular r:id="rId28"/>
+      <p:bold r:id="rId29"/>
+      <p:italic r:id="rId30"/>
+      <p:boldItalic r:id="rId31"/>
     </p:embeddedFont>
     <p:embeddedFont>
       <p:font typeface="Raleway" pitchFamily="2" charset="0"/>
-      <p:regular r:id="rId30"/>
-      <p:bold r:id="rId31"/>
-      <p:italic r:id="rId32"/>
-      <p:boldItalic r:id="rId33"/>
+      <p:regular r:id="rId32"/>
+      <p:bold r:id="rId33"/>
+      <p:italic r:id="rId34"/>
+      <p:boldItalic r:id="rId35"/>
     </p:embeddedFont>
   </p:embeddedFontLst>
   <p:defaultTextStyle>
@@ -291,6 +293,11 @@
       </a:defRPr>
     </a:lvl9pPr>
   </p:defaultTextStyle>
+  <p:extLst>
+    <p:ext uri="{EFAFB233-063F-42B5-8137-9DF3F51BA10A}">
+      <p15:sldGuideLst xmlns:p15="http://schemas.microsoft.com/office/powerpoint/2012/main"/>
+    </p:ext>
+  </p:extLst>
 </p:presentation>
 </file>
 
@@ -1365,6 +1372,224 @@
     <p:extLst>
       <p:ext uri="{BB962C8B-B14F-4D97-AF65-F5344CB8AC3E}">
         <p14:creationId xmlns:p14="http://schemas.microsoft.com/office/powerpoint/2010/main" val="1475236154"/>
+      </p:ext>
+    </p:extLst>
+  </p:cSld>
+  <p:clrMapOvr>
+    <a:masterClrMapping/>
+  </p:clrMapOvr>
+</p:notes>
+</file>
+
+<file path=ppt/notesSlides/notesSlide15.xml><?xml version="1.0" encoding="utf-8"?>
+<p:notes xmlns:a="http://schemas.openxmlformats.org/drawingml/2006/main" xmlns:r="http://schemas.openxmlformats.org/officeDocument/2006/relationships" xmlns:p="http://schemas.openxmlformats.org/presentationml/2006/main" showMasterSp="0" showMasterPhAnim="0">
+  <p:cSld>
+    <p:spTree>
+      <p:nvGrpSpPr>
+        <p:cNvPr id="1" name="Shape 212"/>
+        <p:cNvGrpSpPr/>
+        <p:nvPr/>
+      </p:nvGrpSpPr>
+      <p:grpSpPr>
+        <a:xfrm>
+          <a:off x="0" y="0"/>
+          <a:ext cx="0" cy="0"/>
+          <a:chOff x="0" y="0"/>
+          <a:chExt cx="0" cy="0"/>
+        </a:xfrm>
+      </p:grpSpPr>
+      <p:sp>
+        <p:nvSpPr>
+          <p:cNvPr id="213" name="Google Shape;213;g54dda1946d_6_308:notes"/>
+          <p:cNvSpPr>
+            <a:spLocks noGrp="1" noRot="1" noChangeAspect="1"/>
+          </p:cNvSpPr>
+          <p:nvPr>
+            <p:ph type="sldImg" idx="2"/>
+          </p:nvPr>
+        </p:nvSpPr>
+        <p:spPr>
+          <a:xfrm>
+            <a:off x="381000" y="685800"/>
+            <a:ext cx="6096000" cy="3429000"/>
+          </a:xfrm>
+          <a:custGeom>
+            <a:avLst/>
+            <a:gdLst/>
+            <a:ahLst/>
+            <a:cxnLst/>
+            <a:rect l="l" t="t" r="r" b="b"/>
+            <a:pathLst>
+              <a:path w="120000" h="120000" extrusionOk="0">
+                <a:moveTo>
+                  <a:pt x="0" y="0"/>
+                </a:moveTo>
+                <a:lnTo>
+                  <a:pt x="120000" y="0"/>
+                </a:lnTo>
+                <a:lnTo>
+                  <a:pt x="120000" y="120000"/>
+                </a:lnTo>
+                <a:lnTo>
+                  <a:pt x="0" y="120000"/>
+                </a:lnTo>
+                <a:close/>
+              </a:path>
+            </a:pathLst>
+          </a:custGeom>
+        </p:spPr>
+      </p:sp>
+      <p:sp>
+        <p:nvSpPr>
+          <p:cNvPr id="214" name="Google Shape;214;g54dda1946d_6_308:notes"/>
+          <p:cNvSpPr txBox="1">
+            <a:spLocks noGrp="1"/>
+          </p:cNvSpPr>
+          <p:nvPr>
+            <p:ph type="body" idx="1"/>
+          </p:nvPr>
+        </p:nvSpPr>
+        <p:spPr>
+          <a:xfrm>
+            <a:off x="685800" y="4343400"/>
+            <a:ext cx="5486400" cy="4114800"/>
+          </a:xfrm>
+          <a:prstGeom prst="rect">
+            <a:avLst/>
+          </a:prstGeom>
+        </p:spPr>
+        <p:txBody>
+          <a:bodyPr spcFirstLastPara="1" wrap="square" lIns="91425" tIns="91425" rIns="91425" bIns="91425" anchor="t" anchorCtr="0">
+            <a:noAutofit/>
+          </a:bodyPr>
+          <a:lstStyle/>
+          <a:p>
+            <a:pPr marL="0" lvl="0" indent="0" algn="l" rtl="0">
+              <a:spcBef>
+                <a:spcPts val="0"/>
+              </a:spcBef>
+              <a:spcAft>
+                <a:spcPts val="0"/>
+              </a:spcAft>
+              <a:buNone/>
+            </a:pPr>
+            <a:endParaRPr/>
+          </a:p>
+        </p:txBody>
+      </p:sp>
+    </p:spTree>
+    <p:extLst>
+      <p:ext uri="{BB962C8B-B14F-4D97-AF65-F5344CB8AC3E}">
+        <p14:creationId xmlns:p14="http://schemas.microsoft.com/office/powerpoint/2010/main" val="996339182"/>
+      </p:ext>
+    </p:extLst>
+  </p:cSld>
+  <p:clrMapOvr>
+    <a:masterClrMapping/>
+  </p:clrMapOvr>
+</p:notes>
+</file>
+
+<file path=ppt/notesSlides/notesSlide16.xml><?xml version="1.0" encoding="utf-8"?>
+<p:notes xmlns:a="http://schemas.openxmlformats.org/drawingml/2006/main" xmlns:r="http://schemas.openxmlformats.org/officeDocument/2006/relationships" xmlns:p="http://schemas.openxmlformats.org/presentationml/2006/main" showMasterSp="0" showMasterPhAnim="0">
+  <p:cSld>
+    <p:spTree>
+      <p:nvGrpSpPr>
+        <p:cNvPr id="1" name="Shape 259"/>
+        <p:cNvGrpSpPr/>
+        <p:nvPr/>
+      </p:nvGrpSpPr>
+      <p:grpSpPr>
+        <a:xfrm>
+          <a:off x="0" y="0"/>
+          <a:ext cx="0" cy="0"/>
+          <a:chOff x="0" y="0"/>
+          <a:chExt cx="0" cy="0"/>
+        </a:xfrm>
+      </p:grpSpPr>
+      <p:sp>
+        <p:nvSpPr>
+          <p:cNvPr id="260" name="Google Shape;260;g184d99d1a72_0_2:notes"/>
+          <p:cNvSpPr>
+            <a:spLocks noGrp="1" noRot="1" noChangeAspect="1"/>
+          </p:cNvSpPr>
+          <p:nvPr>
+            <p:ph type="sldImg" idx="2"/>
+          </p:nvPr>
+        </p:nvSpPr>
+        <p:spPr>
+          <a:xfrm>
+            <a:off x="381000" y="685800"/>
+            <a:ext cx="6096000" cy="3429000"/>
+          </a:xfrm>
+          <a:custGeom>
+            <a:avLst/>
+            <a:gdLst/>
+            <a:ahLst/>
+            <a:cxnLst/>
+            <a:rect l="l" t="t" r="r" b="b"/>
+            <a:pathLst>
+              <a:path w="120000" h="120000" extrusionOk="0">
+                <a:moveTo>
+                  <a:pt x="0" y="0"/>
+                </a:moveTo>
+                <a:lnTo>
+                  <a:pt x="120000" y="0"/>
+                </a:lnTo>
+                <a:lnTo>
+                  <a:pt x="120000" y="120000"/>
+                </a:lnTo>
+                <a:lnTo>
+                  <a:pt x="0" y="120000"/>
+                </a:lnTo>
+                <a:close/>
+              </a:path>
+            </a:pathLst>
+          </a:custGeom>
+        </p:spPr>
+      </p:sp>
+      <p:sp>
+        <p:nvSpPr>
+          <p:cNvPr id="261" name="Google Shape;261;g184d99d1a72_0_2:notes"/>
+          <p:cNvSpPr txBox="1">
+            <a:spLocks noGrp="1"/>
+          </p:cNvSpPr>
+          <p:nvPr>
+            <p:ph type="body" idx="1"/>
+          </p:nvPr>
+        </p:nvSpPr>
+        <p:spPr>
+          <a:xfrm>
+            <a:off x="685800" y="4343400"/>
+            <a:ext cx="5486400" cy="4114800"/>
+          </a:xfrm>
+          <a:prstGeom prst="rect">
+            <a:avLst/>
+          </a:prstGeom>
+        </p:spPr>
+        <p:txBody>
+          <a:bodyPr spcFirstLastPara="1" wrap="square" lIns="91425" tIns="91425" rIns="91425" bIns="91425" anchor="t" anchorCtr="0">
+            <a:noAutofit/>
+          </a:bodyPr>
+          <a:lstStyle/>
+          <a:p>
+            <a:pPr marL="0" lvl="0" indent="0" algn="l" rtl="0">
+              <a:spcBef>
+                <a:spcPts val="0"/>
+              </a:spcBef>
+              <a:spcAft>
+                <a:spcPts val="0"/>
+              </a:spcAft>
+              <a:buNone/>
+            </a:pPr>
+            <a:endParaRPr/>
+          </a:p>
+        </p:txBody>
+      </p:sp>
+    </p:spTree>
+    <p:extLst>
+      <p:ext uri="{BB962C8B-B14F-4D97-AF65-F5344CB8AC3E}">
+        <p14:creationId xmlns:p14="http://schemas.microsoft.com/office/powerpoint/2010/main" val="1106538365"/>
       </p:ext>
     </p:extLst>
   </p:cSld>
@@ -16789,12 +17014,8 @@
           <a:lstStyle/>
           <a:p>
             <a:r>
-              <a:rPr lang="es-AR" dirty="0" err="1"/>
-              <a:t>Imaginandonos</a:t>
-            </a:r>
-            <a:r>
               <a:rPr lang="es-AR" dirty="0"/>
-              <a:t> si se puede predecir el género de una canción viendo estadísticamente sus componentes musicales, el gráfico de la izquierda nos da una breve introducción de que sí se puede. Como podemos ver, las piezas de música clásica tienen una </a:t>
+              <a:t>Imaginándonos si se puede predecir el género de una canción viendo estadísticamente sus componentes musicales, el gráfico de la izquierda nos da una breve introducción de que sí se puede. Como podemos ver, las piezas de música clásica tienen una </a:t>
             </a:r>
             <a:r>
               <a:rPr lang="es-AR" dirty="0" err="1"/>
@@ -16858,6 +17079,485 @@
 </p:sld>
 </file>
 
+<file path=ppt/slides/slide15.xml><?xml version="1.0" encoding="utf-8"?>
+<p:sld xmlns:a="http://schemas.openxmlformats.org/drawingml/2006/main" xmlns:r="http://schemas.openxmlformats.org/officeDocument/2006/relationships" xmlns:p="http://schemas.openxmlformats.org/presentationml/2006/main">
+  <p:cSld>
+    <p:spTree>
+      <p:nvGrpSpPr>
+        <p:cNvPr id="1" name="Shape 215"/>
+        <p:cNvGrpSpPr/>
+        <p:nvPr/>
+      </p:nvGrpSpPr>
+      <p:grpSpPr>
+        <a:xfrm>
+          <a:off x="0" y="0"/>
+          <a:ext cx="0" cy="0"/>
+          <a:chOff x="0" y="0"/>
+          <a:chExt cx="0" cy="0"/>
+        </a:xfrm>
+      </p:grpSpPr>
+      <p:sp>
+        <p:nvSpPr>
+          <p:cNvPr id="216" name="Google Shape;216;p32"/>
+          <p:cNvSpPr/>
+          <p:nvPr/>
+        </p:nvSpPr>
+        <p:spPr>
+          <a:xfrm>
+            <a:off x="288525" y="3441950"/>
+            <a:ext cx="2760600" cy="3249300"/>
+          </a:xfrm>
+          <a:prstGeom prst="round2SameRect">
+            <a:avLst>
+              <a:gd name="adj1" fmla="val 31395"/>
+              <a:gd name="adj2" fmla="val 0"/>
+            </a:avLst>
+          </a:prstGeom>
+          <a:noFill/>
+          <a:ln w="152400" cap="flat" cmpd="sng">
+            <a:solidFill>
+              <a:schemeClr val="dk2"/>
+            </a:solidFill>
+            <a:prstDash val="solid"/>
+            <a:round/>
+            <a:headEnd type="none" w="sm" len="sm"/>
+            <a:tailEnd type="none" w="sm" len="sm"/>
+          </a:ln>
+        </p:spPr>
+        <p:txBody>
+          <a:bodyPr spcFirstLastPara="1" wrap="square" lIns="91425" tIns="91425" rIns="91425" bIns="91425" anchor="ctr" anchorCtr="0">
+            <a:noAutofit/>
+          </a:bodyPr>
+          <a:lstStyle/>
+          <a:p>
+            <a:pPr marL="0" lvl="0" indent="0" algn="l" rtl="0">
+              <a:spcBef>
+                <a:spcPts val="0"/>
+              </a:spcBef>
+              <a:spcAft>
+                <a:spcPts val="0"/>
+              </a:spcAft>
+              <a:buNone/>
+            </a:pPr>
+            <a:endParaRPr/>
+          </a:p>
+        </p:txBody>
+      </p:sp>
+      <p:sp>
+        <p:nvSpPr>
+          <p:cNvPr id="217" name="Google Shape;217;p32"/>
+          <p:cNvSpPr/>
+          <p:nvPr/>
+        </p:nvSpPr>
+        <p:spPr>
+          <a:xfrm rot="10800000">
+            <a:off x="2439625" y="-139525"/>
+            <a:ext cx="1731300" cy="1072500"/>
+          </a:xfrm>
+          <a:prstGeom prst="round2SameRect">
+            <a:avLst>
+              <a:gd name="adj1" fmla="val 40354"/>
+              <a:gd name="adj2" fmla="val 0"/>
+            </a:avLst>
+          </a:prstGeom>
+          <a:noFill/>
+          <a:ln w="114300" cap="flat" cmpd="sng">
+            <a:solidFill>
+              <a:schemeClr val="accent1"/>
+            </a:solidFill>
+            <a:prstDash val="solid"/>
+            <a:round/>
+            <a:headEnd type="none" w="sm" len="sm"/>
+            <a:tailEnd type="none" w="sm" len="sm"/>
+          </a:ln>
+        </p:spPr>
+        <p:txBody>
+          <a:bodyPr spcFirstLastPara="1" wrap="square" lIns="91425" tIns="91425" rIns="91425" bIns="91425" anchor="ctr" anchorCtr="0">
+            <a:noAutofit/>
+          </a:bodyPr>
+          <a:lstStyle/>
+          <a:p>
+            <a:pPr marL="0" lvl="0" indent="0" algn="l" rtl="0">
+              <a:spcBef>
+                <a:spcPts val="0"/>
+              </a:spcBef>
+              <a:spcAft>
+                <a:spcPts val="0"/>
+              </a:spcAft>
+              <a:buNone/>
+            </a:pPr>
+            <a:endParaRPr/>
+          </a:p>
+        </p:txBody>
+      </p:sp>
+      <p:sp>
+        <p:nvSpPr>
+          <p:cNvPr id="218" name="Google Shape;218;p32"/>
+          <p:cNvSpPr txBox="1">
+            <a:spLocks noGrp="1"/>
+          </p:cNvSpPr>
+          <p:nvPr>
+            <p:ph type="title"/>
+          </p:nvPr>
+        </p:nvSpPr>
+        <p:spPr>
+          <a:xfrm>
+            <a:off x="4047175" y="2236925"/>
+            <a:ext cx="4383600" cy="1626600"/>
+          </a:xfrm>
+          <a:prstGeom prst="rect">
+            <a:avLst/>
+          </a:prstGeom>
+        </p:spPr>
+        <p:txBody>
+          <a:bodyPr spcFirstLastPara="1" wrap="square" lIns="91425" tIns="91425" rIns="91425" bIns="91425" anchor="t" anchorCtr="0">
+            <a:noAutofit/>
+          </a:bodyPr>
+          <a:lstStyle/>
+          <a:p>
+            <a:pPr marL="0" lvl="0" indent="0" algn="l" rtl="0">
+              <a:spcBef>
+                <a:spcPts val="0"/>
+              </a:spcBef>
+              <a:spcAft>
+                <a:spcPts val="0"/>
+              </a:spcAft>
+              <a:buNone/>
+            </a:pPr>
+            <a:r>
+              <a:rPr lang="en" dirty="0"/>
+              <a:t>Conclusión</a:t>
+            </a:r>
+            <a:endParaRPr dirty="0"/>
+          </a:p>
+        </p:txBody>
+      </p:sp>
+      <p:sp>
+        <p:nvSpPr>
+          <p:cNvPr id="219" name="Google Shape;219;p32"/>
+          <p:cNvSpPr txBox="1">
+            <a:spLocks noGrp="1"/>
+          </p:cNvSpPr>
+          <p:nvPr>
+            <p:ph type="title" idx="2"/>
+          </p:nvPr>
+        </p:nvSpPr>
+        <p:spPr>
+          <a:xfrm>
+            <a:off x="4047175" y="1279975"/>
+            <a:ext cx="1474500" cy="841800"/>
+          </a:xfrm>
+          <a:prstGeom prst="rect">
+            <a:avLst/>
+          </a:prstGeom>
+        </p:spPr>
+        <p:txBody>
+          <a:bodyPr spcFirstLastPara="1" wrap="square" lIns="91425" tIns="91425" rIns="91425" bIns="91425" anchor="ctr" anchorCtr="0">
+            <a:noAutofit/>
+          </a:bodyPr>
+          <a:lstStyle/>
+          <a:p>
+            <a:pPr marL="0" lvl="0" indent="0" algn="ctr" rtl="0">
+              <a:spcBef>
+                <a:spcPts val="0"/>
+              </a:spcBef>
+              <a:spcAft>
+                <a:spcPts val="0"/>
+              </a:spcAft>
+              <a:buNone/>
+            </a:pPr>
+            <a:r>
+              <a:rPr lang="en" dirty="0"/>
+              <a:t>05</a:t>
+            </a:r>
+            <a:endParaRPr dirty="0"/>
+          </a:p>
+        </p:txBody>
+      </p:sp>
+      <p:sp>
+        <p:nvSpPr>
+          <p:cNvPr id="221" name="Google Shape;221;p32"/>
+          <p:cNvSpPr/>
+          <p:nvPr/>
+        </p:nvSpPr>
+        <p:spPr>
+          <a:xfrm>
+            <a:off x="7995150" y="0"/>
+            <a:ext cx="2200800" cy="2200800"/>
+          </a:xfrm>
+          <a:prstGeom prst="ellipse">
+            <a:avLst/>
+          </a:prstGeom>
+          <a:solidFill>
+            <a:schemeClr val="lt2"/>
+          </a:solidFill>
+          <a:ln>
+            <a:noFill/>
+          </a:ln>
+        </p:spPr>
+        <p:txBody>
+          <a:bodyPr spcFirstLastPara="1" wrap="square" lIns="91425" tIns="91425" rIns="91425" bIns="91425" anchor="ctr" anchorCtr="0">
+            <a:noAutofit/>
+          </a:bodyPr>
+          <a:lstStyle/>
+          <a:p>
+            <a:pPr marL="0" lvl="0" indent="0" algn="l" rtl="0">
+              <a:spcBef>
+                <a:spcPts val="0"/>
+              </a:spcBef>
+              <a:spcAft>
+                <a:spcPts val="0"/>
+              </a:spcAft>
+              <a:buNone/>
+            </a:pPr>
+            <a:endParaRPr/>
+          </a:p>
+        </p:txBody>
+      </p:sp>
+      <p:sp>
+        <p:nvSpPr>
+          <p:cNvPr id="222" name="Google Shape;222;p32"/>
+          <p:cNvSpPr/>
+          <p:nvPr/>
+        </p:nvSpPr>
+        <p:spPr>
+          <a:xfrm>
+            <a:off x="3473825" y="4363250"/>
+            <a:ext cx="1667700" cy="1667700"/>
+          </a:xfrm>
+          <a:prstGeom prst="ellipse">
+            <a:avLst/>
+          </a:prstGeom>
+          <a:solidFill>
+            <a:schemeClr val="lt2"/>
+          </a:solidFill>
+          <a:ln>
+            <a:noFill/>
+          </a:ln>
+        </p:spPr>
+        <p:txBody>
+          <a:bodyPr spcFirstLastPara="1" wrap="square" lIns="91425" tIns="91425" rIns="91425" bIns="91425" anchor="ctr" anchorCtr="0">
+            <a:noAutofit/>
+          </a:bodyPr>
+          <a:lstStyle/>
+          <a:p>
+            <a:pPr marL="0" lvl="0" indent="0" algn="l" rtl="0">
+              <a:spcBef>
+                <a:spcPts val="0"/>
+              </a:spcBef>
+              <a:spcAft>
+                <a:spcPts val="0"/>
+              </a:spcAft>
+              <a:buNone/>
+            </a:pPr>
+            <a:endParaRPr/>
+          </a:p>
+        </p:txBody>
+      </p:sp>
+    </p:spTree>
+    <p:extLst>
+      <p:ext uri="{BB962C8B-B14F-4D97-AF65-F5344CB8AC3E}">
+        <p14:creationId xmlns:p14="http://schemas.microsoft.com/office/powerpoint/2010/main" val="1003277253"/>
+      </p:ext>
+    </p:extLst>
+  </p:cSld>
+  <p:clrMapOvr>
+    <a:masterClrMapping/>
+  </p:clrMapOvr>
+</p:sld>
+</file>
+
+<file path=ppt/slides/slide16.xml><?xml version="1.0" encoding="utf-8"?>
+<p:sld xmlns:a="http://schemas.openxmlformats.org/drawingml/2006/main" xmlns:r="http://schemas.openxmlformats.org/officeDocument/2006/relationships" xmlns:p="http://schemas.openxmlformats.org/presentationml/2006/main">
+  <p:cSld>
+    <p:spTree>
+      <p:nvGrpSpPr>
+        <p:cNvPr id="1" name="Shape 262"/>
+        <p:cNvGrpSpPr/>
+        <p:nvPr/>
+      </p:nvGrpSpPr>
+      <p:grpSpPr>
+        <a:xfrm>
+          <a:off x="0" y="0"/>
+          <a:ext cx="0" cy="0"/>
+          <a:chOff x="0" y="0"/>
+          <a:chExt cx="0" cy="0"/>
+        </a:xfrm>
+      </p:grpSpPr>
+      <p:sp>
+        <p:nvSpPr>
+          <p:cNvPr id="263" name="Google Shape;263;p36"/>
+          <p:cNvSpPr txBox="1">
+            <a:spLocks noGrp="1"/>
+          </p:cNvSpPr>
+          <p:nvPr>
+            <p:ph type="title"/>
+          </p:nvPr>
+        </p:nvSpPr>
+        <p:spPr>
+          <a:xfrm>
+            <a:off x="720000" y="445025"/>
+            <a:ext cx="7704000" cy="572700"/>
+          </a:xfrm>
+          <a:prstGeom prst="rect">
+            <a:avLst/>
+          </a:prstGeom>
+        </p:spPr>
+        <p:txBody>
+          <a:bodyPr spcFirstLastPara="1" wrap="square" lIns="91425" tIns="91425" rIns="91425" bIns="91425" anchor="t" anchorCtr="0">
+            <a:noAutofit/>
+          </a:bodyPr>
+          <a:lstStyle/>
+          <a:p>
+            <a:pPr marL="0" lvl="0" indent="0" algn="l" rtl="0">
+              <a:spcBef>
+                <a:spcPts val="0"/>
+              </a:spcBef>
+              <a:spcAft>
+                <a:spcPts val="0"/>
+              </a:spcAft>
+              <a:buNone/>
+            </a:pPr>
+            <a:r>
+              <a:rPr lang="en" dirty="0"/>
+              <a:t>Conclusión del Proyecto</a:t>
+            </a:r>
+            <a:endParaRPr dirty="0"/>
+          </a:p>
+        </p:txBody>
+      </p:sp>
+      <p:sp>
+        <p:nvSpPr>
+          <p:cNvPr id="8" name="TextBox 7">
+            <a:extLst>
+              <a:ext uri="{FF2B5EF4-FFF2-40B4-BE49-F238E27FC236}">
+                <a16:creationId xmlns:a16="http://schemas.microsoft.com/office/drawing/2014/main" id="{D9C11F68-DE03-F2BA-48FE-05734EA79F64}"/>
+              </a:ext>
+            </a:extLst>
+          </p:cNvPr>
+          <p:cNvSpPr txBox="1"/>
+          <p:nvPr/>
+        </p:nvSpPr>
+        <p:spPr>
+          <a:xfrm>
+            <a:off x="720000" y="817756"/>
+            <a:ext cx="7412956" cy="3754874"/>
+          </a:xfrm>
+          <a:prstGeom prst="rect">
+            <a:avLst/>
+          </a:prstGeom>
+          <a:noFill/>
+        </p:spPr>
+        <p:txBody>
+          <a:bodyPr wrap="square" rtlCol="0">
+            <a:spAutoFit/>
+          </a:bodyPr>
+          <a:lstStyle/>
+          <a:p>
+            <a:endParaRPr lang="es-MX" dirty="0"/>
+          </a:p>
+          <a:p>
+            <a:r>
+              <a:rPr lang="es-MX" dirty="0"/>
+              <a:t>En este proyecto, se buscó mejorar el desempeño de los modelos de Machine </a:t>
+            </a:r>
+            <a:r>
+              <a:rPr lang="es-MX" dirty="0" err="1"/>
+              <a:t>Learning</a:t>
+            </a:r>
+            <a:r>
+              <a:rPr lang="es-MX" dirty="0"/>
+              <a:t> para la clasificación de géneros musicales mediante la creación de variables sintéticas y la aplicación de técnicas de reducción de dimensionalidad como el Análisis de Componentes Principales (PCA). A través del análisis, se identificaron interacciones significativas entre características de audio, como la combinación de `</a:t>
+            </a:r>
+            <a:r>
+              <a:rPr lang="es-MX" dirty="0" err="1"/>
+              <a:t>acousticness</a:t>
+            </a:r>
+            <a:r>
+              <a:rPr lang="es-MX" dirty="0"/>
+              <a:t>` con `</a:t>
+            </a:r>
+            <a:r>
+              <a:rPr lang="es-MX" dirty="0" err="1"/>
+              <a:t>liveness</a:t>
+            </a:r>
+            <a:r>
+              <a:rPr lang="es-MX" dirty="0"/>
+              <a:t>` y `</a:t>
+            </a:r>
+            <a:r>
+              <a:rPr lang="es-MX" dirty="0" err="1"/>
+              <a:t>energy</a:t>
+            </a:r>
+            <a:r>
+              <a:rPr lang="es-MX" dirty="0"/>
+              <a:t>` con `</a:t>
+            </a:r>
+            <a:r>
+              <a:rPr lang="es-MX" dirty="0" err="1"/>
+              <a:t>loudness</a:t>
+            </a:r>
+            <a:r>
+              <a:rPr lang="es-MX" dirty="0"/>
+              <a:t>`, que se incorporaron en los modelos. Tras reentrenar los modelos de **</a:t>
+            </a:r>
+            <a:r>
+              <a:rPr lang="es-MX" dirty="0" err="1"/>
+              <a:t>Support</a:t>
+            </a:r>
+            <a:r>
+              <a:rPr lang="es-MX" dirty="0"/>
+              <a:t> Vector Machine (SVM)**, **</a:t>
+            </a:r>
+            <a:r>
+              <a:rPr lang="es-MX" dirty="0" err="1"/>
+              <a:t>Random</a:t>
+            </a:r>
+            <a:r>
+              <a:rPr lang="es-MX" dirty="0"/>
+              <a:t> Forest**, y **</a:t>
+            </a:r>
+            <a:r>
+              <a:rPr lang="es-MX" dirty="0" err="1"/>
+              <a:t>Gradient</a:t>
+            </a:r>
+            <a:r>
+              <a:rPr lang="es-MX" dirty="0"/>
+              <a:t> </a:t>
+            </a:r>
+            <a:r>
+              <a:rPr lang="es-MX" dirty="0" err="1"/>
+              <a:t>Boosting</a:t>
+            </a:r>
+            <a:r>
+              <a:rPr lang="es-MX" dirty="0"/>
+              <a:t>**, se observó que el rendimiento en el conjunto de entrenamiento mejoró, aunque se mantuvo constante en el conjunto de prueba, lo que sugiere que las nuevas variables sintéticas proporcionaron una representación más rica de los datos sin introducir </a:t>
+            </a:r>
+            <a:r>
+              <a:rPr lang="es-MX" dirty="0" err="1"/>
+              <a:t>overfitting</a:t>
+            </a:r>
+            <a:r>
+              <a:rPr lang="es-MX" dirty="0"/>
+              <a:t> significativo. La aplicación de PCA reveló que los primeros dos componentes principales explicaban una parte considerable de la varianza en los datos, destacando las variables más relevantes. En resumen, el proyecto demostró que la ingeniería de características puede mejorar el desempeño de los modelos y proporcionar una comprensión más profunda de la estructura de los datos, lo cual es crucial para la clasificación precisa de géneros musicales.</a:t>
+            </a:r>
+            <a:endParaRPr lang="es-AR" dirty="0"/>
+          </a:p>
+        </p:txBody>
+      </p:sp>
+    </p:spTree>
+    <p:extLst>
+      <p:ext uri="{BB962C8B-B14F-4D97-AF65-F5344CB8AC3E}">
+        <p14:creationId xmlns:p14="http://schemas.microsoft.com/office/powerpoint/2010/main" val="53984258"/>
+      </p:ext>
+    </p:extLst>
+  </p:cSld>
+  <p:clrMapOvr>
+    <a:masterClrMapping/>
+  </p:clrMapOvr>
+</p:sld>
+</file>
+
 <file path=ppt/slides/slide2.xml><?xml version="1.0" encoding="utf-8"?>
 <p:sld xmlns:a="http://schemas.openxmlformats.org/drawingml/2006/main" xmlns:r="http://schemas.openxmlformats.org/officeDocument/2006/relationships" xmlns:p="http://schemas.openxmlformats.org/presentationml/2006/main">
   <p:cSld>
@@ -17250,6 +17950,586 @@
               <a:t>Gráficas e Insights</a:t>
             </a:r>
             <a:endParaRPr dirty="0"/>
+          </a:p>
+        </p:txBody>
+      </p:sp>
+      <p:sp>
+        <p:nvSpPr>
+          <p:cNvPr id="2" name="Google Shape;191;p30">
+            <a:extLst>
+              <a:ext uri="{FF2B5EF4-FFF2-40B4-BE49-F238E27FC236}">
+                <a16:creationId xmlns:a16="http://schemas.microsoft.com/office/drawing/2014/main" id="{08CDB397-2118-2286-7D5A-6B0B186431D9}"/>
+              </a:ext>
+            </a:extLst>
+          </p:cNvPr>
+          <p:cNvSpPr txBox="1">
+            <a:spLocks/>
+          </p:cNvSpPr>
+          <p:nvPr/>
+        </p:nvSpPr>
+        <p:spPr>
+          <a:xfrm>
+            <a:off x="4204650" y="2945983"/>
+            <a:ext cx="734700" cy="447600"/>
+          </a:xfrm>
+          <a:prstGeom prst="rect">
+            <a:avLst/>
+          </a:prstGeom>
+          <a:noFill/>
+          <a:ln w="9525" cap="flat" cmpd="sng">
+            <a:solidFill>
+              <a:schemeClr val="dk1"/>
+            </a:solidFill>
+            <a:prstDash val="solid"/>
+            <a:round/>
+            <a:headEnd type="none" w="sm" len="sm"/>
+            <a:tailEnd type="none" w="sm" len="sm"/>
+          </a:ln>
+        </p:spPr>
+        <p:txBody>
+          <a:bodyPr spcFirstLastPara="1" wrap="square" lIns="91425" tIns="91425" rIns="91425" bIns="91425" anchor="ctr" anchorCtr="0">
+            <a:noAutofit/>
+          </a:bodyPr>
+          <a:lstStyle>
+            <a:defPPr marR="0" lvl="0" algn="l" rtl="0">
+              <a:lnSpc>
+                <a:spcPct val="100000"/>
+              </a:lnSpc>
+              <a:spcBef>
+                <a:spcPts val="0"/>
+              </a:spcBef>
+              <a:spcAft>
+                <a:spcPts val="0"/>
+              </a:spcAft>
+            </a:defPPr>
+            <a:lvl1pPr marR="0" lvl="0" algn="ctr" rtl="0">
+              <a:lnSpc>
+                <a:spcPct val="100000"/>
+              </a:lnSpc>
+              <a:spcBef>
+                <a:spcPts val="0"/>
+              </a:spcBef>
+              <a:spcAft>
+                <a:spcPts val="0"/>
+              </a:spcAft>
+              <a:buClr>
+                <a:schemeClr val="dk1"/>
+              </a:buClr>
+              <a:buSzPts val="3000"/>
+              <a:buFont typeface="Monda"/>
+              <a:buNone/>
+              <a:defRPr sz="3000" b="1" i="0" u="none" strike="noStrike" cap="none">
+                <a:solidFill>
+                  <a:schemeClr val="dk1"/>
+                </a:solidFill>
+                <a:latin typeface="Monda"/>
+                <a:ea typeface="Monda"/>
+                <a:cs typeface="Monda"/>
+                <a:sym typeface="Monda"/>
+              </a:defRPr>
+            </a:lvl1pPr>
+            <a:lvl2pPr marR="0" lvl="1" algn="ctr" rtl="0">
+              <a:lnSpc>
+                <a:spcPct val="100000"/>
+              </a:lnSpc>
+              <a:spcBef>
+                <a:spcPts val="0"/>
+              </a:spcBef>
+              <a:spcAft>
+                <a:spcPts val="0"/>
+              </a:spcAft>
+              <a:buClr>
+                <a:schemeClr val="dk1"/>
+              </a:buClr>
+              <a:buSzPts val="3000"/>
+              <a:buFont typeface="Monda"/>
+              <a:buNone/>
+              <a:defRPr sz="3000" b="1" i="0" u="none" strike="noStrike" cap="none">
+                <a:solidFill>
+                  <a:schemeClr val="dk1"/>
+                </a:solidFill>
+                <a:latin typeface="Monda"/>
+                <a:ea typeface="Monda"/>
+                <a:cs typeface="Monda"/>
+                <a:sym typeface="Monda"/>
+              </a:defRPr>
+            </a:lvl2pPr>
+            <a:lvl3pPr marR="0" lvl="2" algn="ctr" rtl="0">
+              <a:lnSpc>
+                <a:spcPct val="100000"/>
+              </a:lnSpc>
+              <a:spcBef>
+                <a:spcPts val="0"/>
+              </a:spcBef>
+              <a:spcAft>
+                <a:spcPts val="0"/>
+              </a:spcAft>
+              <a:buClr>
+                <a:schemeClr val="dk1"/>
+              </a:buClr>
+              <a:buSzPts val="3000"/>
+              <a:buFont typeface="Monda"/>
+              <a:buNone/>
+              <a:defRPr sz="3000" b="1" i="0" u="none" strike="noStrike" cap="none">
+                <a:solidFill>
+                  <a:schemeClr val="dk1"/>
+                </a:solidFill>
+                <a:latin typeface="Monda"/>
+                <a:ea typeface="Monda"/>
+                <a:cs typeface="Monda"/>
+                <a:sym typeface="Monda"/>
+              </a:defRPr>
+            </a:lvl3pPr>
+            <a:lvl4pPr marR="0" lvl="3" algn="ctr" rtl="0">
+              <a:lnSpc>
+                <a:spcPct val="100000"/>
+              </a:lnSpc>
+              <a:spcBef>
+                <a:spcPts val="0"/>
+              </a:spcBef>
+              <a:spcAft>
+                <a:spcPts val="0"/>
+              </a:spcAft>
+              <a:buClr>
+                <a:schemeClr val="dk1"/>
+              </a:buClr>
+              <a:buSzPts val="3000"/>
+              <a:buFont typeface="Monda"/>
+              <a:buNone/>
+              <a:defRPr sz="3000" b="1" i="0" u="none" strike="noStrike" cap="none">
+                <a:solidFill>
+                  <a:schemeClr val="dk1"/>
+                </a:solidFill>
+                <a:latin typeface="Monda"/>
+                <a:ea typeface="Monda"/>
+                <a:cs typeface="Monda"/>
+                <a:sym typeface="Monda"/>
+              </a:defRPr>
+            </a:lvl4pPr>
+            <a:lvl5pPr marR="0" lvl="4" algn="ctr" rtl="0">
+              <a:lnSpc>
+                <a:spcPct val="100000"/>
+              </a:lnSpc>
+              <a:spcBef>
+                <a:spcPts val="0"/>
+              </a:spcBef>
+              <a:spcAft>
+                <a:spcPts val="0"/>
+              </a:spcAft>
+              <a:buClr>
+                <a:schemeClr val="dk1"/>
+              </a:buClr>
+              <a:buSzPts val="3000"/>
+              <a:buFont typeface="Monda"/>
+              <a:buNone/>
+              <a:defRPr sz="3000" b="1" i="0" u="none" strike="noStrike" cap="none">
+                <a:solidFill>
+                  <a:schemeClr val="dk1"/>
+                </a:solidFill>
+                <a:latin typeface="Monda"/>
+                <a:ea typeface="Monda"/>
+                <a:cs typeface="Monda"/>
+                <a:sym typeface="Monda"/>
+              </a:defRPr>
+            </a:lvl5pPr>
+            <a:lvl6pPr marR="0" lvl="5" algn="ctr" rtl="0">
+              <a:lnSpc>
+                <a:spcPct val="100000"/>
+              </a:lnSpc>
+              <a:spcBef>
+                <a:spcPts val="0"/>
+              </a:spcBef>
+              <a:spcAft>
+                <a:spcPts val="0"/>
+              </a:spcAft>
+              <a:buClr>
+                <a:schemeClr val="dk1"/>
+              </a:buClr>
+              <a:buSzPts val="3000"/>
+              <a:buFont typeface="Monda"/>
+              <a:buNone/>
+              <a:defRPr sz="3000" b="1" i="0" u="none" strike="noStrike" cap="none">
+                <a:solidFill>
+                  <a:schemeClr val="dk1"/>
+                </a:solidFill>
+                <a:latin typeface="Monda"/>
+                <a:ea typeface="Monda"/>
+                <a:cs typeface="Monda"/>
+                <a:sym typeface="Monda"/>
+              </a:defRPr>
+            </a:lvl6pPr>
+            <a:lvl7pPr marR="0" lvl="6" algn="ctr" rtl="0">
+              <a:lnSpc>
+                <a:spcPct val="100000"/>
+              </a:lnSpc>
+              <a:spcBef>
+                <a:spcPts val="0"/>
+              </a:spcBef>
+              <a:spcAft>
+                <a:spcPts val="0"/>
+              </a:spcAft>
+              <a:buClr>
+                <a:schemeClr val="dk1"/>
+              </a:buClr>
+              <a:buSzPts val="3000"/>
+              <a:buFont typeface="Monda"/>
+              <a:buNone/>
+              <a:defRPr sz="3000" b="1" i="0" u="none" strike="noStrike" cap="none">
+                <a:solidFill>
+                  <a:schemeClr val="dk1"/>
+                </a:solidFill>
+                <a:latin typeface="Monda"/>
+                <a:ea typeface="Monda"/>
+                <a:cs typeface="Monda"/>
+                <a:sym typeface="Monda"/>
+              </a:defRPr>
+            </a:lvl7pPr>
+            <a:lvl8pPr marR="0" lvl="7" algn="ctr" rtl="0">
+              <a:lnSpc>
+                <a:spcPct val="100000"/>
+              </a:lnSpc>
+              <a:spcBef>
+                <a:spcPts val="0"/>
+              </a:spcBef>
+              <a:spcAft>
+                <a:spcPts val="0"/>
+              </a:spcAft>
+              <a:buClr>
+                <a:schemeClr val="dk1"/>
+              </a:buClr>
+              <a:buSzPts val="3000"/>
+              <a:buFont typeface="Monda"/>
+              <a:buNone/>
+              <a:defRPr sz="3000" b="1" i="0" u="none" strike="noStrike" cap="none">
+                <a:solidFill>
+                  <a:schemeClr val="dk1"/>
+                </a:solidFill>
+                <a:latin typeface="Monda"/>
+                <a:ea typeface="Monda"/>
+                <a:cs typeface="Monda"/>
+                <a:sym typeface="Monda"/>
+              </a:defRPr>
+            </a:lvl8pPr>
+            <a:lvl9pPr marR="0" lvl="8" algn="ctr" rtl="0">
+              <a:lnSpc>
+                <a:spcPct val="100000"/>
+              </a:lnSpc>
+              <a:spcBef>
+                <a:spcPts val="0"/>
+              </a:spcBef>
+              <a:spcAft>
+                <a:spcPts val="0"/>
+              </a:spcAft>
+              <a:buClr>
+                <a:schemeClr val="dk1"/>
+              </a:buClr>
+              <a:buSzPts val="3000"/>
+              <a:buFont typeface="Monda"/>
+              <a:buNone/>
+              <a:defRPr sz="3000" b="1" i="0" u="none" strike="noStrike" cap="none">
+                <a:solidFill>
+                  <a:schemeClr val="dk1"/>
+                </a:solidFill>
+                <a:latin typeface="Monda"/>
+                <a:ea typeface="Monda"/>
+                <a:cs typeface="Monda"/>
+                <a:sym typeface="Monda"/>
+              </a:defRPr>
+            </a:lvl9pPr>
+          </a:lstStyle>
+          <a:p>
+            <a:r>
+              <a:rPr lang="en" dirty="0"/>
+              <a:t>05</a:t>
+            </a:r>
+          </a:p>
+        </p:txBody>
+      </p:sp>
+      <p:sp>
+        <p:nvSpPr>
+          <p:cNvPr id="3" name="Google Shape;199;p30">
+            <a:extLst>
+              <a:ext uri="{FF2B5EF4-FFF2-40B4-BE49-F238E27FC236}">
+                <a16:creationId xmlns:a16="http://schemas.microsoft.com/office/drawing/2014/main" id="{061FC82D-F9E9-0ED3-E3EA-82999EAF72A0}"/>
+              </a:ext>
+            </a:extLst>
+          </p:cNvPr>
+          <p:cNvSpPr txBox="1">
+            <a:spLocks/>
+          </p:cNvSpPr>
+          <p:nvPr/>
+        </p:nvSpPr>
+        <p:spPr>
+          <a:xfrm>
+            <a:off x="3306000" y="3500325"/>
+            <a:ext cx="2532000" cy="447600"/>
+          </a:xfrm>
+          <a:prstGeom prst="rect">
+            <a:avLst/>
+          </a:prstGeom>
+          <a:noFill/>
+          <a:ln>
+            <a:noFill/>
+          </a:ln>
+        </p:spPr>
+        <p:txBody>
+          <a:bodyPr spcFirstLastPara="1" wrap="square" lIns="91425" tIns="91425" rIns="91425" bIns="91425" anchor="t" anchorCtr="0">
+            <a:noAutofit/>
+          </a:bodyPr>
+          <a:lstStyle>
+            <a:defPPr marR="0" lvl="0" algn="l" rtl="0">
+              <a:lnSpc>
+                <a:spcPct val="100000"/>
+              </a:lnSpc>
+              <a:spcBef>
+                <a:spcPts val="0"/>
+              </a:spcBef>
+              <a:spcAft>
+                <a:spcPts val="0"/>
+              </a:spcAft>
+            </a:defPPr>
+            <a:lvl1pPr marL="457200" marR="0" lvl="0" indent="-304800" algn="ctr" rtl="0">
+              <a:lnSpc>
+                <a:spcPct val="100000"/>
+              </a:lnSpc>
+              <a:spcBef>
+                <a:spcPts val="0"/>
+              </a:spcBef>
+              <a:spcAft>
+                <a:spcPts val="0"/>
+              </a:spcAft>
+              <a:buClr>
+                <a:schemeClr val="dk2"/>
+              </a:buClr>
+              <a:buSzPts val="1800"/>
+              <a:buFont typeface="Monda"/>
+              <a:buNone/>
+              <a:defRPr sz="1800" b="1" i="0" u="none" strike="noStrike" cap="none">
+                <a:solidFill>
+                  <a:schemeClr val="dk2"/>
+                </a:solidFill>
+                <a:latin typeface="Monda"/>
+                <a:ea typeface="Monda"/>
+                <a:cs typeface="Monda"/>
+                <a:sym typeface="Monda"/>
+              </a:defRPr>
+            </a:lvl1pPr>
+            <a:lvl2pPr marL="914400" marR="0" lvl="1" indent="-304800" algn="l" rtl="0">
+              <a:lnSpc>
+                <a:spcPct val="100000"/>
+              </a:lnSpc>
+              <a:spcBef>
+                <a:spcPts val="0"/>
+              </a:spcBef>
+              <a:spcAft>
+                <a:spcPts val="0"/>
+              </a:spcAft>
+              <a:buClr>
+                <a:schemeClr val="dk2"/>
+              </a:buClr>
+              <a:buSzPts val="1800"/>
+              <a:buFont typeface="Monda"/>
+              <a:buNone/>
+              <a:defRPr sz="1800" b="1" i="0" u="none" strike="noStrike" cap="none">
+                <a:solidFill>
+                  <a:schemeClr val="dk2"/>
+                </a:solidFill>
+                <a:latin typeface="Monda"/>
+                <a:ea typeface="Monda"/>
+                <a:cs typeface="Monda"/>
+                <a:sym typeface="Monda"/>
+              </a:defRPr>
+            </a:lvl2pPr>
+            <a:lvl3pPr marL="1371600" marR="0" lvl="2" indent="-304800" algn="l" rtl="0">
+              <a:lnSpc>
+                <a:spcPct val="100000"/>
+              </a:lnSpc>
+              <a:spcBef>
+                <a:spcPts val="0"/>
+              </a:spcBef>
+              <a:spcAft>
+                <a:spcPts val="0"/>
+              </a:spcAft>
+              <a:buClr>
+                <a:schemeClr val="dk2"/>
+              </a:buClr>
+              <a:buSzPts val="1800"/>
+              <a:buFont typeface="Monda"/>
+              <a:buNone/>
+              <a:defRPr sz="1800" b="1" i="0" u="none" strike="noStrike" cap="none">
+                <a:solidFill>
+                  <a:schemeClr val="dk2"/>
+                </a:solidFill>
+                <a:latin typeface="Monda"/>
+                <a:ea typeface="Monda"/>
+                <a:cs typeface="Monda"/>
+                <a:sym typeface="Monda"/>
+              </a:defRPr>
+            </a:lvl3pPr>
+            <a:lvl4pPr marL="1828800" marR="0" lvl="3" indent="-304800" algn="l" rtl="0">
+              <a:lnSpc>
+                <a:spcPct val="100000"/>
+              </a:lnSpc>
+              <a:spcBef>
+                <a:spcPts val="0"/>
+              </a:spcBef>
+              <a:spcAft>
+                <a:spcPts val="0"/>
+              </a:spcAft>
+              <a:buClr>
+                <a:schemeClr val="dk2"/>
+              </a:buClr>
+              <a:buSzPts val="1800"/>
+              <a:buFont typeface="Monda"/>
+              <a:buNone/>
+              <a:defRPr sz="1800" b="1" i="0" u="none" strike="noStrike" cap="none">
+                <a:solidFill>
+                  <a:schemeClr val="dk2"/>
+                </a:solidFill>
+                <a:latin typeface="Monda"/>
+                <a:ea typeface="Monda"/>
+                <a:cs typeface="Monda"/>
+                <a:sym typeface="Monda"/>
+              </a:defRPr>
+            </a:lvl4pPr>
+            <a:lvl5pPr marL="2286000" marR="0" lvl="4" indent="-304800" algn="l" rtl="0">
+              <a:lnSpc>
+                <a:spcPct val="100000"/>
+              </a:lnSpc>
+              <a:spcBef>
+                <a:spcPts val="0"/>
+              </a:spcBef>
+              <a:spcAft>
+                <a:spcPts val="0"/>
+              </a:spcAft>
+              <a:buClr>
+                <a:schemeClr val="dk2"/>
+              </a:buClr>
+              <a:buSzPts val="1800"/>
+              <a:buFont typeface="Monda"/>
+              <a:buNone/>
+              <a:defRPr sz="1800" b="1" i="0" u="none" strike="noStrike" cap="none">
+                <a:solidFill>
+                  <a:schemeClr val="dk2"/>
+                </a:solidFill>
+                <a:latin typeface="Monda"/>
+                <a:ea typeface="Monda"/>
+                <a:cs typeface="Monda"/>
+                <a:sym typeface="Monda"/>
+              </a:defRPr>
+            </a:lvl5pPr>
+            <a:lvl6pPr marL="2743200" marR="0" lvl="5" indent="-304800" algn="l" rtl="0">
+              <a:lnSpc>
+                <a:spcPct val="100000"/>
+              </a:lnSpc>
+              <a:spcBef>
+                <a:spcPts val="0"/>
+              </a:spcBef>
+              <a:spcAft>
+                <a:spcPts val="0"/>
+              </a:spcAft>
+              <a:buClr>
+                <a:schemeClr val="dk2"/>
+              </a:buClr>
+              <a:buSzPts val="1800"/>
+              <a:buFont typeface="Monda"/>
+              <a:buNone/>
+              <a:defRPr sz="1800" b="1" i="0" u="none" strike="noStrike" cap="none">
+                <a:solidFill>
+                  <a:schemeClr val="dk2"/>
+                </a:solidFill>
+                <a:latin typeface="Monda"/>
+                <a:ea typeface="Monda"/>
+                <a:cs typeface="Monda"/>
+                <a:sym typeface="Monda"/>
+              </a:defRPr>
+            </a:lvl6pPr>
+            <a:lvl7pPr marL="3200400" marR="0" lvl="6" indent="-304800" algn="l" rtl="0">
+              <a:lnSpc>
+                <a:spcPct val="100000"/>
+              </a:lnSpc>
+              <a:spcBef>
+                <a:spcPts val="0"/>
+              </a:spcBef>
+              <a:spcAft>
+                <a:spcPts val="0"/>
+              </a:spcAft>
+              <a:buClr>
+                <a:schemeClr val="dk2"/>
+              </a:buClr>
+              <a:buSzPts val="1800"/>
+              <a:buFont typeface="Monda"/>
+              <a:buNone/>
+              <a:defRPr sz="1800" b="1" i="0" u="none" strike="noStrike" cap="none">
+                <a:solidFill>
+                  <a:schemeClr val="dk2"/>
+                </a:solidFill>
+                <a:latin typeface="Monda"/>
+                <a:ea typeface="Monda"/>
+                <a:cs typeface="Monda"/>
+                <a:sym typeface="Monda"/>
+              </a:defRPr>
+            </a:lvl7pPr>
+            <a:lvl8pPr marL="3657600" marR="0" lvl="7" indent="-304800" algn="l" rtl="0">
+              <a:lnSpc>
+                <a:spcPct val="100000"/>
+              </a:lnSpc>
+              <a:spcBef>
+                <a:spcPts val="0"/>
+              </a:spcBef>
+              <a:spcAft>
+                <a:spcPts val="0"/>
+              </a:spcAft>
+              <a:buClr>
+                <a:schemeClr val="dk2"/>
+              </a:buClr>
+              <a:buSzPts val="1800"/>
+              <a:buFont typeface="Monda"/>
+              <a:buNone/>
+              <a:defRPr sz="1800" b="1" i="0" u="none" strike="noStrike" cap="none">
+                <a:solidFill>
+                  <a:schemeClr val="dk2"/>
+                </a:solidFill>
+                <a:latin typeface="Monda"/>
+                <a:ea typeface="Monda"/>
+                <a:cs typeface="Monda"/>
+                <a:sym typeface="Monda"/>
+              </a:defRPr>
+            </a:lvl8pPr>
+            <a:lvl9pPr marL="4114800" marR="0" lvl="8" indent="-304800" algn="l" rtl="0">
+              <a:lnSpc>
+                <a:spcPct val="100000"/>
+              </a:lnSpc>
+              <a:spcBef>
+                <a:spcPts val="0"/>
+              </a:spcBef>
+              <a:spcAft>
+                <a:spcPts val="0"/>
+              </a:spcAft>
+              <a:buClr>
+                <a:schemeClr val="dk2"/>
+              </a:buClr>
+              <a:buSzPts val="1800"/>
+              <a:buFont typeface="Monda"/>
+              <a:buNone/>
+              <a:defRPr sz="1800" b="1" i="0" u="none" strike="noStrike" cap="none">
+                <a:solidFill>
+                  <a:schemeClr val="dk2"/>
+                </a:solidFill>
+                <a:latin typeface="Monda"/>
+                <a:ea typeface="Monda"/>
+                <a:cs typeface="Monda"/>
+                <a:sym typeface="Monda"/>
+              </a:defRPr>
+            </a:lvl9pPr>
+          </a:lstStyle>
+          <a:p>
+            <a:pPr marL="0" indent="0"/>
+            <a:r>
+              <a:rPr lang="es-MX" dirty="0"/>
+              <a:t>Conclusión</a:t>
+            </a:r>
+            <a:endParaRPr lang="es-AR" dirty="0"/>
           </a:p>
         </p:txBody>
       </p:sp>
